--- a/soen6441/presentation/Build1 (1).pptx
+++ b/soen6441/presentation/Build1 (1).pptx
@@ -6,7 +6,7 @@
     <p:sldMasterId id="2147483668" r:id="rId2"/>
   </p:sldMasterIdLst>
   <p:notesMasterIdLst>
-    <p:notesMasterId r:id="rId16"/>
+    <p:notesMasterId r:id="rId19"/>
   </p:notesMasterIdLst>
   <p:sldIdLst>
     <p:sldId id="256" r:id="rId3"/>
@@ -21,21 +21,24 @@
     <p:sldId id="274" r:id="rId12"/>
     <p:sldId id="260" r:id="rId13"/>
     <p:sldId id="261" r:id="rId14"/>
-    <p:sldId id="266" r:id="rId15"/>
+    <p:sldId id="275" r:id="rId15"/>
+    <p:sldId id="276" r:id="rId16"/>
+    <p:sldId id="277" r:id="rId17"/>
+    <p:sldId id="266" r:id="rId18"/>
   </p:sldIdLst>
   <p:sldSz cx="9144000" cy="5143500" type="screen16x9"/>
   <p:notesSz cx="6858000" cy="9144000"/>
   <p:embeddedFontLst>
     <p:embeddedFont>
       <p:font typeface="Calibri" pitchFamily="34" charset="0"/>
-      <p:regular r:id="rId17"/>
-      <p:bold r:id="rId18"/>
-      <p:italic r:id="rId19"/>
-      <p:boldItalic r:id="rId20"/>
+      <p:regular r:id="rId20"/>
+      <p:bold r:id="rId21"/>
+      <p:italic r:id="rId22"/>
+      <p:boldItalic r:id="rId23"/>
     </p:embeddedFont>
     <p:embeddedFont>
       <p:font typeface="Gill Sans" charset="0"/>
-      <p:bold r:id="rId21"/>
+      <p:bold r:id="rId24"/>
     </p:embeddedFont>
   </p:embeddedFontLst>
   <p:defaultTextStyle>
@@ -10305,6 +10308,277 @@
 </file>
 
 <file path=ppt/slides/slide13.xml><?xml version="1.0" encoding="utf-8"?>
+<p:sld xmlns:a="http://schemas.openxmlformats.org/drawingml/2006/main" xmlns:r="http://schemas.openxmlformats.org/officeDocument/2006/relationships" xmlns:p="http://schemas.openxmlformats.org/presentationml/2006/main">
+  <p:cSld>
+    <p:spTree>
+      <p:nvGrpSpPr>
+        <p:cNvPr id="1" name=""/>
+        <p:cNvGrpSpPr/>
+        <p:nvPr/>
+      </p:nvGrpSpPr>
+      <p:grpSpPr>
+        <a:xfrm>
+          <a:off x="0" y="0"/>
+          <a:ext cx="0" cy="0"/>
+          <a:chOff x="0" y="0"/>
+          <a:chExt cx="0" cy="0"/>
+        </a:xfrm>
+      </p:grpSpPr>
+      <p:sp>
+        <p:nvSpPr>
+          <p:cNvPr id="2" name="Title 1"/>
+          <p:cNvSpPr>
+            <a:spLocks noGrp="1"/>
+          </p:cNvSpPr>
+          <p:nvPr>
+            <p:ph type="title"/>
+          </p:nvPr>
+        </p:nvSpPr>
+        <p:spPr/>
+        <p:txBody>
+          <a:bodyPr/>
+          <a:lstStyle/>
+          <a:p>
+            <a:r>
+              <a:rPr lang="en-US" dirty="0" smtClean="0"/>
+              <a:t>TO increase the readability of code</a:t>
+            </a:r>
+            <a:endParaRPr lang="en-US" dirty="0"/>
+          </a:p>
+        </p:txBody>
+      </p:sp>
+      <p:sp>
+        <p:nvSpPr>
+          <p:cNvPr id="3" name="Text Placeholder 2"/>
+          <p:cNvSpPr>
+            <a:spLocks noGrp="1"/>
+          </p:cNvSpPr>
+          <p:nvPr>
+            <p:ph type="body" idx="1"/>
+          </p:nvPr>
+        </p:nvSpPr>
+        <p:spPr/>
+        <p:txBody>
+          <a:bodyPr/>
+          <a:lstStyle/>
+          <a:p>
+            <a:r>
+              <a:rPr lang="en-US" dirty="0" smtClean="0"/>
+              <a:t> We tried to use annotations – which themselves says much about the a situation</a:t>
+            </a:r>
+          </a:p>
+          <a:p>
+            <a:endParaRPr lang="en-US" dirty="0" smtClean="0"/>
+          </a:p>
+          <a:p>
+            <a:endParaRPr lang="en-US" dirty="0"/>
+          </a:p>
+        </p:txBody>
+      </p:sp>
+      <p:pic>
+        <p:nvPicPr>
+          <p:cNvPr id="1026" name="Picture 2"/>
+          <p:cNvPicPr>
+            <a:picLocks noChangeAspect="1" noChangeArrowheads="1"/>
+          </p:cNvPicPr>
+          <p:nvPr/>
+        </p:nvPicPr>
+        <p:blipFill>
+          <a:blip r:embed="rId2"/>
+          <a:srcRect/>
+          <a:stretch>
+            <a:fillRect/>
+          </a:stretch>
+        </p:blipFill>
+        <p:spPr bwMode="auto">
+          <a:xfrm>
+            <a:off x="755616" y="1776413"/>
+            <a:ext cx="7135848" cy="1709737"/>
+          </a:xfrm>
+          <a:prstGeom prst="rect">
+            <a:avLst/>
+          </a:prstGeom>
+          <a:noFill/>
+          <a:ln w="9525">
+            <a:noFill/>
+            <a:miter lim="800000"/>
+            <a:headEnd/>
+            <a:tailEnd/>
+          </a:ln>
+          <a:effectLst/>
+        </p:spPr>
+      </p:pic>
+    </p:spTree>
+  </p:cSld>
+  <p:clrMapOvr>
+    <a:masterClrMapping/>
+  </p:clrMapOvr>
+</p:sld>
+</file>
+
+<file path=ppt/slides/slide14.xml><?xml version="1.0" encoding="utf-8"?>
+<p:sld xmlns:a="http://schemas.openxmlformats.org/drawingml/2006/main" xmlns:r="http://schemas.openxmlformats.org/officeDocument/2006/relationships" xmlns:p="http://schemas.openxmlformats.org/presentationml/2006/main">
+  <p:cSld>
+    <p:spTree>
+      <p:nvGrpSpPr>
+        <p:cNvPr id="1" name=""/>
+        <p:cNvGrpSpPr/>
+        <p:nvPr/>
+      </p:nvGrpSpPr>
+      <p:grpSpPr>
+        <a:xfrm>
+          <a:off x="0" y="0"/>
+          <a:ext cx="0" cy="0"/>
+          <a:chOff x="0" y="0"/>
+          <a:chExt cx="0" cy="0"/>
+        </a:xfrm>
+      </p:grpSpPr>
+      <p:sp>
+        <p:nvSpPr>
+          <p:cNvPr id="2" name="Title 1"/>
+          <p:cNvSpPr>
+            <a:spLocks noGrp="1"/>
+          </p:cNvSpPr>
+          <p:nvPr>
+            <p:ph type="title"/>
+          </p:nvPr>
+        </p:nvSpPr>
+        <p:spPr/>
+        <p:txBody>
+          <a:bodyPr/>
+          <a:lstStyle/>
+          <a:p>
+            <a:r>
+              <a:rPr lang="en-US" dirty="0" smtClean="0"/>
+              <a:t>If a method has complex steps break them in steps </a:t>
+            </a:r>
+            <a:endParaRPr lang="en-US" dirty="0"/>
+          </a:p>
+        </p:txBody>
+      </p:sp>
+      <p:pic>
+        <p:nvPicPr>
+          <p:cNvPr id="2050" name="Picture 2"/>
+          <p:cNvPicPr>
+            <a:picLocks noChangeAspect="1" noChangeArrowheads="1"/>
+          </p:cNvPicPr>
+          <p:nvPr/>
+        </p:nvPicPr>
+        <p:blipFill>
+          <a:blip r:embed="rId2"/>
+          <a:srcRect/>
+          <a:stretch>
+            <a:fillRect/>
+          </a:stretch>
+        </p:blipFill>
+        <p:spPr bwMode="auto">
+          <a:xfrm>
+            <a:off x="914958" y="666751"/>
+            <a:ext cx="6895542" cy="4143374"/>
+          </a:xfrm>
+          <a:prstGeom prst="rect">
+            <a:avLst/>
+          </a:prstGeom>
+          <a:noFill/>
+          <a:ln w="9525">
+            <a:noFill/>
+            <a:miter lim="800000"/>
+            <a:headEnd/>
+            <a:tailEnd/>
+          </a:ln>
+          <a:effectLst/>
+        </p:spPr>
+      </p:pic>
+    </p:spTree>
+  </p:cSld>
+  <p:clrMapOvr>
+    <a:masterClrMapping/>
+  </p:clrMapOvr>
+</p:sld>
+</file>
+
+<file path=ppt/slides/slide15.xml><?xml version="1.0" encoding="utf-8"?>
+<p:sld xmlns:a="http://schemas.openxmlformats.org/drawingml/2006/main" xmlns:r="http://schemas.openxmlformats.org/officeDocument/2006/relationships" xmlns:p="http://schemas.openxmlformats.org/presentationml/2006/main">
+  <p:cSld>
+    <p:spTree>
+      <p:nvGrpSpPr>
+        <p:cNvPr id="1" name=""/>
+        <p:cNvGrpSpPr/>
+        <p:nvPr/>
+      </p:nvGrpSpPr>
+      <p:grpSpPr>
+        <a:xfrm>
+          <a:off x="0" y="0"/>
+          <a:ext cx="0" cy="0"/>
+          <a:chOff x="0" y="0"/>
+          <a:chExt cx="0" cy="0"/>
+        </a:xfrm>
+      </p:grpSpPr>
+      <p:sp>
+        <p:nvSpPr>
+          <p:cNvPr id="2" name="Title 1"/>
+          <p:cNvSpPr>
+            <a:spLocks noGrp="1"/>
+          </p:cNvSpPr>
+          <p:nvPr>
+            <p:ph type="title"/>
+          </p:nvPr>
+        </p:nvSpPr>
+        <p:spPr/>
+        <p:txBody>
+          <a:bodyPr/>
+          <a:lstStyle/>
+          <a:p>
+            <a:r>
+              <a:rPr lang="en-US" dirty="0" smtClean="0"/>
+              <a:t>Inline comments can separate code by its purpose</a:t>
+            </a:r>
+            <a:endParaRPr lang="en-US" dirty="0"/>
+          </a:p>
+        </p:txBody>
+      </p:sp>
+      <p:pic>
+        <p:nvPicPr>
+          <p:cNvPr id="3074" name="Picture 2"/>
+          <p:cNvPicPr>
+            <a:picLocks noChangeAspect="1" noChangeArrowheads="1"/>
+          </p:cNvPicPr>
+          <p:nvPr/>
+        </p:nvPicPr>
+        <p:blipFill>
+          <a:blip r:embed="rId2"/>
+          <a:srcRect/>
+          <a:stretch>
+            <a:fillRect/>
+          </a:stretch>
+        </p:blipFill>
+        <p:spPr bwMode="auto">
+          <a:xfrm>
+            <a:off x="2209800" y="742950"/>
+            <a:ext cx="4309097" cy="3548063"/>
+          </a:xfrm>
+          <a:prstGeom prst="rect">
+            <a:avLst/>
+          </a:prstGeom>
+          <a:noFill/>
+          <a:ln w="9525">
+            <a:noFill/>
+            <a:miter lim="800000"/>
+            <a:headEnd/>
+            <a:tailEnd/>
+          </a:ln>
+          <a:effectLst/>
+        </p:spPr>
+      </p:pic>
+    </p:spTree>
+  </p:cSld>
+  <p:clrMapOvr>
+    <a:masterClrMapping/>
+  </p:clrMapOvr>
+</p:sld>
+</file>
+
+<file path=ppt/slides/slide16.xml><?xml version="1.0" encoding="utf-8"?>
 <p:sld xmlns:a="http://schemas.openxmlformats.org/drawingml/2006/main" xmlns:r="http://schemas.openxmlformats.org/officeDocument/2006/relationships" xmlns:p="http://schemas.openxmlformats.org/presentationml/2006/main">
   <p:cSld>
     <p:spTree>

--- a/soen6441/presentation/Build1 (1).pptx
+++ b/soen6441/presentation/Build1 (1).pptx
@@ -28,19 +28,6 @@
   </p:sldIdLst>
   <p:sldSz cx="9144000" cy="5143500" type="screen16x9"/>
   <p:notesSz cx="6858000" cy="9144000"/>
-  <p:embeddedFontLst>
-    <p:embeddedFont>
-      <p:font typeface="Calibri" pitchFamily="34" charset="0"/>
-      <p:regular r:id="rId20"/>
-      <p:bold r:id="rId21"/>
-      <p:italic r:id="rId22"/>
-      <p:boldItalic r:id="rId23"/>
-    </p:embeddedFont>
-    <p:embeddedFont>
-      <p:font typeface="Gill Sans" charset="0"/>
-      <p:bold r:id="rId24"/>
-    </p:embeddedFont>
-  </p:embeddedFontLst>
   <p:defaultTextStyle>
     <a:defPPr marR="0" lvl="0" algn="l" rtl="0">
       <a:lnSpc>
@@ -10855,20 +10842,10 @@
                 <a:cs typeface="Times New Roman"/>
                 <a:sym typeface="Times New Roman"/>
               </a:rPr>
-              <a:t>Decoupled Architecture</a:t>
+              <a:t>Decoupled </a:t>
             </a:r>
-          </a:p>
-          <a:p>
-            <a:pPr marL="457200" lvl="0" indent="-355600" rtl="0">
-              <a:spcBef>
-                <a:spcPts val="480"/>
-              </a:spcBef>
-              <a:buSzPts val="2000"/>
-              <a:buFont typeface="Times New Roman"/>
-              <a:buChar char="●"/>
-            </a:pPr>
             <a:r>
-              <a:rPr lang="en" sz="2000" dirty="0">
+              <a:rPr lang="en" sz="2000" dirty="0" smtClean="0">
                 <a:solidFill>
                   <a:schemeClr val="dk1"/>
                 </a:solidFill>
@@ -10877,8 +10854,17 @@
                 <a:cs typeface="Times New Roman"/>
                 <a:sym typeface="Times New Roman"/>
               </a:rPr>
-              <a:t>Repository</a:t>
+              <a:t>Architecture</a:t>
             </a:r>
+            <a:endParaRPr lang="en" sz="2000" dirty="0">
+              <a:solidFill>
+                <a:schemeClr val="dk1"/>
+              </a:solidFill>
+              <a:latin typeface="Times New Roman"/>
+              <a:ea typeface="Times New Roman"/>
+              <a:cs typeface="Times New Roman"/>
+              <a:sym typeface="Times New Roman"/>
+            </a:endParaRPr>
           </a:p>
           <a:p>
             <a:pPr marL="457200" lvl="0" indent="-355600" rtl="0">

--- a/soen6441/presentation/Build1 (1).pptx
+++ b/soen6441/presentation/Build1 (1).pptx
@@ -6,7 +6,7 @@
     <p:sldMasterId id="2147483668" r:id="rId2"/>
   </p:sldMasterIdLst>
   <p:notesMasterIdLst>
-    <p:notesMasterId r:id="rId19"/>
+    <p:notesMasterId r:id="rId20"/>
   </p:notesMasterIdLst>
   <p:sldIdLst>
     <p:sldId id="256" r:id="rId3"/>
@@ -24,7 +24,8 @@
     <p:sldId id="275" r:id="rId15"/>
     <p:sldId id="276" r:id="rId16"/>
     <p:sldId id="277" r:id="rId17"/>
-    <p:sldId id="266" r:id="rId18"/>
+    <p:sldId id="278" r:id="rId18"/>
+    <p:sldId id="266" r:id="rId19"/>
   </p:sldIdLst>
   <p:sldSz cx="9144000" cy="5143500" type="screen16x9"/>
   <p:notesSz cx="6858000" cy="9144000"/>
@@ -10570,6 +10571,87 @@
   <p:cSld>
     <p:spTree>
       <p:nvGrpSpPr>
+        <p:cNvPr id="1" name=""/>
+        <p:cNvGrpSpPr/>
+        <p:nvPr/>
+      </p:nvGrpSpPr>
+      <p:grpSpPr>
+        <a:xfrm>
+          <a:off x="0" y="0"/>
+          <a:ext cx="0" cy="0"/>
+          <a:chOff x="0" y="0"/>
+          <a:chExt cx="0" cy="0"/>
+        </a:xfrm>
+      </p:grpSpPr>
+      <p:sp>
+        <p:nvSpPr>
+          <p:cNvPr id="2" name="Title 1"/>
+          <p:cNvSpPr>
+            <a:spLocks noGrp="1"/>
+          </p:cNvSpPr>
+          <p:nvPr>
+            <p:ph type="title"/>
+          </p:nvPr>
+        </p:nvSpPr>
+        <p:spPr/>
+        <p:txBody>
+          <a:bodyPr/>
+          <a:lstStyle/>
+          <a:p>
+            <a:r>
+              <a:rPr lang="en-US" dirty="0" smtClean="0"/>
+              <a:t>Its helps us for productivity, as there is no need to dig into destination method.</a:t>
+            </a:r>
+            <a:endParaRPr lang="en-US" dirty="0"/>
+          </a:p>
+        </p:txBody>
+      </p:sp>
+      <p:pic>
+        <p:nvPicPr>
+          <p:cNvPr id="1026" name="Picture 2"/>
+          <p:cNvPicPr>
+            <a:picLocks noChangeAspect="1" noChangeArrowheads="1"/>
+          </p:cNvPicPr>
+          <p:nvPr/>
+        </p:nvPicPr>
+        <p:blipFill>
+          <a:blip r:embed="rId2"/>
+          <a:srcRect/>
+          <a:stretch>
+            <a:fillRect/>
+          </a:stretch>
+        </p:blipFill>
+        <p:spPr bwMode="auto">
+          <a:xfrm>
+            <a:off x="1747838" y="1476375"/>
+            <a:ext cx="5648325" cy="2190750"/>
+          </a:xfrm>
+          <a:prstGeom prst="rect">
+            <a:avLst/>
+          </a:prstGeom>
+          <a:noFill/>
+          <a:ln w="9525">
+            <a:noFill/>
+            <a:miter lim="800000"/>
+            <a:headEnd/>
+            <a:tailEnd/>
+          </a:ln>
+          <a:effectLst/>
+        </p:spPr>
+      </p:pic>
+    </p:spTree>
+  </p:cSld>
+  <p:clrMapOvr>
+    <a:masterClrMapping/>
+  </p:clrMapOvr>
+</p:sld>
+</file>
+
+<file path=ppt/slides/slide17.xml><?xml version="1.0" encoding="utf-8"?>
+<p:sld xmlns:a="http://schemas.openxmlformats.org/drawingml/2006/main" xmlns:r="http://schemas.openxmlformats.org/officeDocument/2006/relationships" xmlns:p="http://schemas.openxmlformats.org/presentationml/2006/main">
+  <p:cSld>
+    <p:spTree>
+      <p:nvGrpSpPr>
         <p:cNvPr id="1" name="Shape 158"/>
         <p:cNvGrpSpPr/>
         <p:nvPr/>
@@ -10777,14 +10859,54 @@
               <a:t>What </a:t>
             </a:r>
             <a:r>
-              <a:rPr lang="en" sz="2000" dirty="0">
+              <a:rPr lang="en" sz="2000" dirty="0" smtClean="0">
                 <a:latin typeface="Times New Roman"/>
                 <a:ea typeface="Times New Roman"/>
                 <a:cs typeface="Times New Roman"/>
                 <a:sym typeface="Times New Roman"/>
               </a:rPr>
-              <a:t>we learnt </a:t>
+              <a:t>wedistributed the work</a:t>
             </a:r>
+          </a:p>
+          <a:p>
+            <a:pPr marL="457200" marR="0" lvl="0" indent="-355600" algn="l" rtl="0">
+              <a:lnSpc>
+                <a:spcPct val="100000"/>
+              </a:lnSpc>
+              <a:spcBef>
+                <a:spcPts val="0"/>
+              </a:spcBef>
+              <a:spcAft>
+                <a:spcPts val="0"/>
+              </a:spcAft>
+              <a:buSzPts val="2000"/>
+              <a:buFont typeface="Times New Roman"/>
+              <a:buChar char="●"/>
+            </a:pPr>
+            <a:r>
+              <a:rPr lang="en-US" sz="2000" dirty="0" smtClean="0">
+                <a:latin typeface="Times New Roman"/>
+                <a:ea typeface="Times New Roman"/>
+                <a:cs typeface="Times New Roman"/>
+                <a:sym typeface="Times New Roman"/>
+              </a:rPr>
+              <a:t>F</a:t>
+            </a:r>
+            <a:r>
+              <a:rPr lang="en" sz="2000" dirty="0" smtClean="0">
+                <a:latin typeface="Times New Roman"/>
+                <a:ea typeface="Times New Roman"/>
+                <a:cs typeface="Times New Roman"/>
+                <a:sym typeface="Times New Roman"/>
+              </a:rPr>
+              <a:t>ollowing coding standards</a:t>
+            </a:r>
+            <a:endParaRPr lang="en" sz="2000" dirty="0">
+              <a:latin typeface="Times New Roman"/>
+              <a:ea typeface="Times New Roman"/>
+              <a:cs typeface="Times New Roman"/>
+              <a:sym typeface="Times New Roman"/>
+            </a:endParaRPr>
           </a:p>
           <a:p>
             <a:pPr marL="457200" marR="0" lvl="0" indent="-355600" algn="l" rtl="0">
@@ -10867,29 +10989,35 @@
             </a:endParaRPr>
           </a:p>
           <a:p>
-            <a:pPr marL="457200" lvl="0" indent="-355600" rtl="0">
-              <a:spcBef>
-                <a:spcPts val="480"/>
-              </a:spcBef>
-              <a:buClr>
-                <a:schemeClr val="dk1"/>
-              </a:buClr>
+            <a:pPr marL="457200" marR="0" lvl="0" indent="-355600" algn="l" rtl="0">
+              <a:lnSpc>
+                <a:spcPct val="100000"/>
+              </a:lnSpc>
+              <a:spcBef>
+                <a:spcPts val="0"/>
+              </a:spcBef>
+              <a:spcAft>
+                <a:spcPts val="0"/>
+              </a:spcAft>
               <a:buSzPts val="2000"/>
               <a:buFont typeface="Times New Roman"/>
               <a:buChar char="●"/>
             </a:pPr>
             <a:r>
-              <a:rPr lang="en" sz="2000" dirty="0">
-                <a:solidFill>
-                  <a:schemeClr val="dk1"/>
-                </a:solidFill>
+              <a:rPr lang="en" sz="2000" dirty="0" smtClean="0">
                 <a:latin typeface="Times New Roman"/>
                 <a:ea typeface="Times New Roman"/>
                 <a:cs typeface="Times New Roman"/>
                 <a:sym typeface="Times New Roman"/>
               </a:rPr>
-              <a:t>Coding Conventions</a:t>
+              <a:t>Documenting the code</a:t>
             </a:r>
+            <a:endParaRPr lang="en" sz="2000" dirty="0">
+              <a:latin typeface="Times New Roman"/>
+              <a:ea typeface="Times New Roman"/>
+              <a:cs typeface="Times New Roman"/>
+              <a:sym typeface="Times New Roman"/>
+            </a:endParaRPr>
           </a:p>
           <a:p>
             <a:pPr marL="457200" marR="0" lvl="0" indent="-355600" algn="l" rtl="0">
@@ -10907,39 +11035,20 @@
               <a:buChar char="●"/>
             </a:pPr>
             <a:r>
-              <a:rPr lang="en" sz="2000" dirty="0">
+              <a:rPr lang="en" sz="2000" dirty="0" smtClean="0">
                 <a:latin typeface="Times New Roman"/>
                 <a:ea typeface="Times New Roman"/>
                 <a:cs typeface="Times New Roman"/>
                 <a:sym typeface="Times New Roman"/>
               </a:rPr>
-              <a:t>Documentation</a:t>
+              <a:t>Real help of Java doc</a:t>
             </a:r>
-          </a:p>
-          <a:p>
-            <a:pPr marL="457200" marR="0" lvl="0" indent="-355600" algn="l" rtl="0">
-              <a:lnSpc>
-                <a:spcPct val="100000"/>
-              </a:lnSpc>
-              <a:spcBef>
-                <a:spcPts val="0"/>
-              </a:spcBef>
-              <a:spcAft>
-                <a:spcPts val="0"/>
-              </a:spcAft>
-              <a:buSzPts val="2000"/>
-              <a:buFont typeface="Times New Roman"/>
-              <a:buChar char="●"/>
-            </a:pPr>
-            <a:r>
-              <a:rPr lang="en" sz="2000" dirty="0">
-                <a:latin typeface="Times New Roman"/>
-                <a:ea typeface="Times New Roman"/>
-                <a:cs typeface="Times New Roman"/>
-                <a:sym typeface="Times New Roman"/>
-              </a:rPr>
-              <a:t>Unit Testing</a:t>
-            </a:r>
+            <a:endParaRPr lang="en" sz="2000" dirty="0">
+              <a:latin typeface="Times New Roman"/>
+              <a:ea typeface="Times New Roman"/>
+              <a:cs typeface="Times New Roman"/>
+              <a:sym typeface="Times New Roman"/>
+            </a:endParaRPr>
           </a:p>
         </p:txBody>
       </p:sp>
